--- a/bi_ye_lun_wen/VR shi_yan.pptx
+++ b/bi_ye_lun_wen/VR shi_yan.pptx
@@ -262,7 +262,7 @@
           <a:p>
             <a:fld id="{D997B5FA-0921-464F-AAE1-844C04324D75}" type="datetimeFigureOut">
               <a:rPr lang="zh-CN" altLang="en-US" smtClean="0"/>
-              <a:t>2017/11/7</a:t>
+              <a:t>2017/11/29</a:t>
             </a:fld>
             <a:endParaRPr lang="zh-CN" altLang="en-US"/>
           </a:p>
@@ -425,7 +425,7 @@
           <a:p>
             <a:fld id="{D997B5FA-0921-464F-AAE1-844C04324D75}" type="datetimeFigureOut">
               <a:rPr lang="zh-CN" altLang="en-US" smtClean="0"/>
-              <a:t>2017/11/7</a:t>
+              <a:t>2017/11/29</a:t>
             </a:fld>
             <a:endParaRPr lang="zh-CN" altLang="en-US"/>
           </a:p>
@@ -598,7 +598,7 @@
           <a:p>
             <a:fld id="{D997B5FA-0921-464F-AAE1-844C04324D75}" type="datetimeFigureOut">
               <a:rPr lang="zh-CN" altLang="en-US" smtClean="0"/>
-              <a:t>2017/11/7</a:t>
+              <a:t>2017/11/29</a:t>
             </a:fld>
             <a:endParaRPr lang="zh-CN" altLang="en-US"/>
           </a:p>
@@ -761,7 +761,7 @@
           <a:p>
             <a:fld id="{D997B5FA-0921-464F-AAE1-844C04324D75}" type="datetimeFigureOut">
               <a:rPr lang="zh-CN" altLang="en-US" smtClean="0"/>
-              <a:t>2017/11/7</a:t>
+              <a:t>2017/11/29</a:t>
             </a:fld>
             <a:endParaRPr lang="zh-CN" altLang="en-US"/>
           </a:p>
@@ -1001,7 +1001,7 @@
           <a:p>
             <a:fld id="{D997B5FA-0921-464F-AAE1-844C04324D75}" type="datetimeFigureOut">
               <a:rPr lang="zh-CN" altLang="en-US" smtClean="0"/>
-              <a:t>2017/11/7</a:t>
+              <a:t>2017/11/29</a:t>
             </a:fld>
             <a:endParaRPr lang="zh-CN" altLang="en-US"/>
           </a:p>
@@ -1225,7 +1225,7 @@
           <a:p>
             <a:fld id="{D997B5FA-0921-464F-AAE1-844C04324D75}" type="datetimeFigureOut">
               <a:rPr lang="zh-CN" altLang="en-US" smtClean="0"/>
-              <a:t>2017/11/7</a:t>
+              <a:t>2017/11/29</a:t>
             </a:fld>
             <a:endParaRPr lang="zh-CN" altLang="en-US"/>
           </a:p>
@@ -1584,7 +1584,7 @@
           <a:p>
             <a:fld id="{D997B5FA-0921-464F-AAE1-844C04324D75}" type="datetimeFigureOut">
               <a:rPr lang="zh-CN" altLang="en-US" smtClean="0"/>
-              <a:t>2017/11/7</a:t>
+              <a:t>2017/11/29</a:t>
             </a:fld>
             <a:endParaRPr lang="zh-CN" altLang="en-US"/>
           </a:p>
@@ -1696,7 +1696,7 @@
           <a:p>
             <a:fld id="{D997B5FA-0921-464F-AAE1-844C04324D75}" type="datetimeFigureOut">
               <a:rPr lang="zh-CN" altLang="en-US" smtClean="0"/>
-              <a:t>2017/11/7</a:t>
+              <a:t>2017/11/29</a:t>
             </a:fld>
             <a:endParaRPr lang="zh-CN" altLang="en-US"/>
           </a:p>
@@ -1786,7 +1786,7 @@
           <a:p>
             <a:fld id="{D997B5FA-0921-464F-AAE1-844C04324D75}" type="datetimeFigureOut">
               <a:rPr lang="zh-CN" altLang="en-US" smtClean="0"/>
-              <a:t>2017/11/7</a:t>
+              <a:t>2017/11/29</a:t>
             </a:fld>
             <a:endParaRPr lang="zh-CN" altLang="en-US"/>
           </a:p>
@@ -2056,7 +2056,7 @@
           <a:p>
             <a:fld id="{D997B5FA-0921-464F-AAE1-844C04324D75}" type="datetimeFigureOut">
               <a:rPr lang="zh-CN" altLang="en-US" smtClean="0"/>
-              <a:t>2017/11/7</a:t>
+              <a:t>2017/11/29</a:t>
             </a:fld>
             <a:endParaRPr lang="zh-CN" altLang="en-US"/>
           </a:p>
@@ -2303,7 +2303,7 @@
           <a:p>
             <a:fld id="{D997B5FA-0921-464F-AAE1-844C04324D75}" type="datetimeFigureOut">
               <a:rPr lang="zh-CN" altLang="en-US" smtClean="0"/>
-              <a:t>2017/11/7</a:t>
+              <a:t>2017/11/29</a:t>
             </a:fld>
             <a:endParaRPr lang="zh-CN" altLang="en-US"/>
           </a:p>
@@ -2509,7 +2509,7 @@
           <a:p>
             <a:fld id="{D997B5FA-0921-464F-AAE1-844C04324D75}" type="datetimeFigureOut">
               <a:rPr lang="zh-CN" altLang="en-US" smtClean="0"/>
-              <a:t>2017/11/7</a:t>
+              <a:t>2017/11/29</a:t>
             </a:fld>
             <a:endParaRPr lang="zh-CN" altLang="en-US"/>
           </a:p>

--- a/bi_ye_lun_wen/VR shi_yan.pptx
+++ b/bi_ye_lun_wen/VR shi_yan.pptx
@@ -129,10 +129,6 @@
 </p:presentation>
 </file>
 
-<file path=ppt/revisionInfo.xml><?xml version="1.0" encoding="utf-8"?>
-<p1510:revInfo xmlns:a="http://schemas.openxmlformats.org/drawingml/2006/main" xmlns:r="http://schemas.openxmlformats.org/officeDocument/2006/relationships" xmlns:p1510="http://schemas.microsoft.com/office/powerpoint/2015/10/main"/>
-</file>
-
 <file path=ppt/slideLayouts/slideLayout1.xml><?xml version="1.0" encoding="utf-8"?>
 <p:sldLayout xmlns:a="http://schemas.openxmlformats.org/drawingml/2006/main" xmlns:r="http://schemas.openxmlformats.org/officeDocument/2006/relationships" xmlns:p="http://schemas.openxmlformats.org/presentationml/2006/main" type="title" preserve="1">
   <p:cSld name="标题幻灯片">
@@ -262,7 +258,7 @@
           <a:p>
             <a:fld id="{D997B5FA-0921-464F-AAE1-844C04324D75}" type="datetimeFigureOut">
               <a:rPr lang="zh-CN" altLang="en-US" smtClean="0"/>
-              <a:t>2017/11/29</a:t>
+              <a:t>2018/3/19</a:t>
             </a:fld>
             <a:endParaRPr lang="zh-CN" altLang="en-US"/>
           </a:p>
@@ -425,7 +421,7 @@
           <a:p>
             <a:fld id="{D997B5FA-0921-464F-AAE1-844C04324D75}" type="datetimeFigureOut">
               <a:rPr lang="zh-CN" altLang="en-US" smtClean="0"/>
-              <a:t>2017/11/29</a:t>
+              <a:t>2018/3/19</a:t>
             </a:fld>
             <a:endParaRPr lang="zh-CN" altLang="en-US"/>
           </a:p>
@@ -598,7 +594,7 @@
           <a:p>
             <a:fld id="{D997B5FA-0921-464F-AAE1-844C04324D75}" type="datetimeFigureOut">
               <a:rPr lang="zh-CN" altLang="en-US" smtClean="0"/>
-              <a:t>2017/11/29</a:t>
+              <a:t>2018/3/19</a:t>
             </a:fld>
             <a:endParaRPr lang="zh-CN" altLang="en-US"/>
           </a:p>
@@ -761,7 +757,7 @@
           <a:p>
             <a:fld id="{D997B5FA-0921-464F-AAE1-844C04324D75}" type="datetimeFigureOut">
               <a:rPr lang="zh-CN" altLang="en-US" smtClean="0"/>
-              <a:t>2017/11/29</a:t>
+              <a:t>2018/3/19</a:t>
             </a:fld>
             <a:endParaRPr lang="zh-CN" altLang="en-US"/>
           </a:p>
@@ -1001,7 +997,7 @@
           <a:p>
             <a:fld id="{D997B5FA-0921-464F-AAE1-844C04324D75}" type="datetimeFigureOut">
               <a:rPr lang="zh-CN" altLang="en-US" smtClean="0"/>
-              <a:t>2017/11/29</a:t>
+              <a:t>2018/3/19</a:t>
             </a:fld>
             <a:endParaRPr lang="zh-CN" altLang="en-US"/>
           </a:p>
@@ -1225,7 +1221,7 @@
           <a:p>
             <a:fld id="{D997B5FA-0921-464F-AAE1-844C04324D75}" type="datetimeFigureOut">
               <a:rPr lang="zh-CN" altLang="en-US" smtClean="0"/>
-              <a:t>2017/11/29</a:t>
+              <a:t>2018/3/19</a:t>
             </a:fld>
             <a:endParaRPr lang="zh-CN" altLang="en-US"/>
           </a:p>
@@ -1584,7 +1580,7 @@
           <a:p>
             <a:fld id="{D997B5FA-0921-464F-AAE1-844C04324D75}" type="datetimeFigureOut">
               <a:rPr lang="zh-CN" altLang="en-US" smtClean="0"/>
-              <a:t>2017/11/29</a:t>
+              <a:t>2018/3/19</a:t>
             </a:fld>
             <a:endParaRPr lang="zh-CN" altLang="en-US"/>
           </a:p>
@@ -1696,7 +1692,7 @@
           <a:p>
             <a:fld id="{D997B5FA-0921-464F-AAE1-844C04324D75}" type="datetimeFigureOut">
               <a:rPr lang="zh-CN" altLang="en-US" smtClean="0"/>
-              <a:t>2017/11/29</a:t>
+              <a:t>2018/3/19</a:t>
             </a:fld>
             <a:endParaRPr lang="zh-CN" altLang="en-US"/>
           </a:p>
@@ -1786,7 +1782,7 @@
           <a:p>
             <a:fld id="{D997B5FA-0921-464F-AAE1-844C04324D75}" type="datetimeFigureOut">
               <a:rPr lang="zh-CN" altLang="en-US" smtClean="0"/>
-              <a:t>2017/11/29</a:t>
+              <a:t>2018/3/19</a:t>
             </a:fld>
             <a:endParaRPr lang="zh-CN" altLang="en-US"/>
           </a:p>
@@ -2056,7 +2052,7 @@
           <a:p>
             <a:fld id="{D997B5FA-0921-464F-AAE1-844C04324D75}" type="datetimeFigureOut">
               <a:rPr lang="zh-CN" altLang="en-US" smtClean="0"/>
-              <a:t>2017/11/29</a:t>
+              <a:t>2018/3/19</a:t>
             </a:fld>
             <a:endParaRPr lang="zh-CN" altLang="en-US"/>
           </a:p>
@@ -2303,7 +2299,7 @@
           <a:p>
             <a:fld id="{D997B5FA-0921-464F-AAE1-844C04324D75}" type="datetimeFigureOut">
               <a:rPr lang="zh-CN" altLang="en-US" smtClean="0"/>
-              <a:t>2017/11/29</a:t>
+              <a:t>2018/3/19</a:t>
             </a:fld>
             <a:endParaRPr lang="zh-CN" altLang="en-US"/>
           </a:p>
@@ -2509,7 +2505,7 @@
           <a:p>
             <a:fld id="{D997B5FA-0921-464F-AAE1-844C04324D75}" type="datetimeFigureOut">
               <a:rPr lang="zh-CN" altLang="en-US" smtClean="0"/>
-              <a:t>2017/11/29</a:t>
+              <a:t>2018/3/19</a:t>
             </a:fld>
             <a:endParaRPr lang="zh-CN" altLang="en-US"/>
           </a:p>
@@ -2934,7 +2930,7 @@
             </a:r>
             <a:r>
               <a:rPr lang="zh-CN" altLang="en-US" dirty="0"/>
-              <a:t>化学实验</a:t>
+              <a:t>化学实验室</a:t>
             </a:r>
           </a:p>
         </p:txBody>
@@ -2954,14 +2950,7 @@
           <a:bodyPr/>
           <a:lstStyle/>
           <a:p>
-            <a:r>
-              <a:rPr lang="en-US" altLang="zh-CN" dirty="0"/>
-              <a:t>VR</a:t>
-            </a:r>
-            <a:r>
-              <a:rPr lang="zh-CN" altLang="en-US" dirty="0"/>
-              <a:t>化学实验</a:t>
-            </a:r>
+            <a:endParaRPr lang="zh-CN" altLang="en-US" dirty="0"/>
           </a:p>
         </p:txBody>
       </p:sp>
@@ -4931,27 +4920,22 @@
             <a:pPr lvl="1"/>
             <a:r>
               <a:rPr lang="en-US" altLang="zh-CN" dirty="0"/>
-              <a:t>Oculus HMD + PC + </a:t>
+              <a:t>Oculus HMD + PC + Hand Controllers + AR</a:t>
+            </a:r>
+          </a:p>
+          <a:p>
+            <a:pPr lvl="1"/>
+            <a:r>
+              <a:rPr lang="en-US" altLang="zh-CN" dirty="0"/>
+              <a:t>Mobile + PC </a:t>
             </a:r>
             <a:r>
               <a:rPr lang="en-US" altLang="zh-CN"/>
-              <a:t>Hand Controllers + AR</a:t>
-            </a:r>
-            <a:endParaRPr lang="en-US" altLang="zh-CN" dirty="0"/>
-          </a:p>
-          <a:p>
-            <a:pPr lvl="1"/>
+              <a:t>+ Leap Motion </a:t>
+            </a:r>
             <a:r>
               <a:rPr lang="en-US" altLang="zh-CN" dirty="0"/>
-              <a:t>Mobile + PC + </a:t>
-            </a:r>
-            <a:r>
-              <a:rPr lang="en-US" altLang="zh-CN" dirty="0" err="1"/>
-              <a:t>LeapMotion</a:t>
-            </a:r>
-            <a:r>
-              <a:rPr lang="en-US" altLang="zh-CN" dirty="0"/>
-              <a:t> + AR</a:t>
+              <a:t>+ AR</a:t>
             </a:r>
           </a:p>
         </p:txBody>
